--- a/document/Model Context Protocol.pptx
+++ b/document/Model Context Protocol.pptx
@@ -113,7 +113,41 @@
       </a:defRPr>
     </a:lvl9pPr>
   </p:defaultTextStyle>
+  <p:extLst>
+    <p:ext uri="{EFAFB233-063F-42B5-8137-9DF3F51BA10A}">
+      <p15:sldGuideLst xmlns:p15="http://schemas.microsoft.com/office/powerpoint/2012/main"/>
+    </p:ext>
+  </p:extLst>
 </p:presentation>
+</file>
+
+<file path=ppt/changesInfos/changesInfo1.xml><?xml version="1.0" encoding="utf-8"?>
+<pc:chgInfo xmlns:a="http://schemas.openxmlformats.org/drawingml/2006/main" xmlns:r="http://schemas.openxmlformats.org/officeDocument/2006/relationships" xmlns:ac="http://schemas.microsoft.com/office/drawing/2013/main/command" xmlns:pc="http://schemas.microsoft.com/office/powerpoint/2013/main/command">
+  <pc:docChgLst>
+    <pc:chgData name="Naveen Prabakar" userId="8034ed6276063106" providerId="Windows Live" clId="Web-{229B39AD-414B-44BD-8288-0AC8D1A259FC}"/>
+    <pc:docChg chg="modSld">
+      <pc:chgData name="Naveen Prabakar" userId="8034ed6276063106" providerId="Windows Live" clId="Web-{229B39AD-414B-44BD-8288-0AC8D1A259FC}" dt="2025-09-23T23:17:01.705" v="2" actId="20577"/>
+      <pc:docMkLst>
+        <pc:docMk/>
+      </pc:docMkLst>
+      <pc:sldChg chg="modSp">
+        <pc:chgData name="Naveen Prabakar" userId="8034ed6276063106" providerId="Windows Live" clId="Web-{229B39AD-414B-44BD-8288-0AC8D1A259FC}" dt="2025-09-23T23:17:01.705" v="2" actId="20577"/>
+        <pc:sldMkLst>
+          <pc:docMk/>
+          <pc:sldMk cId="328726255" sldId="260"/>
+        </pc:sldMkLst>
+        <pc:graphicFrameChg chg="modGraphic">
+          <ac:chgData name="Naveen Prabakar" userId="8034ed6276063106" providerId="Windows Live" clId="Web-{229B39AD-414B-44BD-8288-0AC8D1A259FC}" dt="2025-09-23T23:17:01.705" v="2" actId="20577"/>
+          <ac:graphicFrameMkLst>
+            <pc:docMk/>
+            <pc:sldMk cId="328726255" sldId="260"/>
+            <ac:graphicFrameMk id="6" creationId="{7D127A43-2D9A-19E9-77F8-98C1B384F686}"/>
+          </ac:graphicFrameMkLst>
+        </pc:graphicFrameChg>
+      </pc:sldChg>
+    </pc:docChg>
+  </pc:docChgLst>
+</pc:chgInfo>
 </file>
 
 <file path=ppt/diagrams/colors1.xml><?xml version="1.0" encoding="utf-8"?>
@@ -3007,8 +3041,17 @@
         <a:bodyPr/>
         <a:lstStyle/>
         <a:p>
+          <a:pPr algn="l" rtl="0">
+            <a:lnSpc>
+              <a:spcPct val="90000"/>
+            </a:lnSpc>
+          </a:pPr>
           <a:r>
-            <a:rPr lang="en-US"/>
+            <a:rPr lang="en-US" sz="3700">
+              <a:latin typeface="Avenir Next LT Pro"/>
+              <a:ea typeface="+mn-ea"/>
+              <a:cs typeface="+mn-cs"/>
+            </a:rPr>
             <a:t>Mac/Linux: curl -LsSf https://astral.sh/uv/install.sh | sh</a:t>
           </a:r>
         </a:p>
@@ -3043,9 +3086,131 @@
         <a:bodyPr/>
         <a:lstStyle/>
         <a:p>
+          <a:pPr algn="l">
+            <a:lnSpc>
+              <a:spcPct val="90000"/>
+            </a:lnSpc>
+          </a:pPr>
           <a:r>
-            <a:rPr lang="en-US"/>
-            <a:t>Windows: powershell -ExecutionPolicy ByPass -c "irm https://astral.sh/uv/install.ps1 | iex"</a:t>
+            <a:rPr lang="en-US" sz="3700">
+              <a:solidFill>
+                <a:srgbClr val="FFFFFF"/>
+              </a:solidFill>
+              <a:latin typeface="Avenir Next LT Pro"/>
+              <a:ea typeface="+mn-ea"/>
+              <a:cs typeface="+mn-cs"/>
+            </a:rPr>
+            <a:t>Windows: </a:t>
+          </a:r>
+          <a:r>
+            <a:rPr lang="en-US" sz="3700" err="1">
+              <a:solidFill>
+                <a:srgbClr val="FFFFFF"/>
+              </a:solidFill>
+              <a:latin typeface="Avenir Next LT Pro"/>
+              <a:ea typeface="+mn-ea"/>
+              <a:cs typeface="+mn-cs"/>
+            </a:rPr>
+            <a:t>powershell</a:t>
+          </a:r>
+          <a:r>
+            <a:rPr lang="en-US" sz="3700">
+              <a:solidFill>
+                <a:srgbClr val="FFFFFF"/>
+              </a:solidFill>
+              <a:latin typeface="Avenir Next LT Pro"/>
+              <a:ea typeface="+mn-ea"/>
+              <a:cs typeface="+mn-cs"/>
+            </a:rPr>
+            <a:t> -</a:t>
+          </a:r>
+          <a:r>
+            <a:rPr lang="en-US" sz="3700" err="1">
+              <a:solidFill>
+                <a:srgbClr val="FFFFFF"/>
+              </a:solidFill>
+              <a:latin typeface="Avenir Next LT Pro"/>
+              <a:ea typeface="+mn-ea"/>
+              <a:cs typeface="+mn-cs"/>
+            </a:rPr>
+            <a:t>ExecutionPolicy</a:t>
+          </a:r>
+          <a:r>
+            <a:rPr lang="en-US" sz="3700">
+              <a:solidFill>
+                <a:srgbClr val="FFFFFF"/>
+              </a:solidFill>
+              <a:latin typeface="Avenir Next LT Pro"/>
+              <a:ea typeface="+mn-ea"/>
+              <a:cs typeface="+mn-cs"/>
+            </a:rPr>
+            <a:t> </a:t>
+          </a:r>
+          <a:r>
+            <a:rPr lang="en-US" sz="3700" err="1">
+              <a:solidFill>
+                <a:srgbClr val="FFFFFF"/>
+              </a:solidFill>
+              <a:latin typeface="Avenir Next LT Pro"/>
+              <a:ea typeface="+mn-ea"/>
+              <a:cs typeface="+mn-cs"/>
+            </a:rPr>
+            <a:t>ByPass</a:t>
+          </a:r>
+          <a:r>
+            <a:rPr lang="en-US" sz="3700">
+              <a:solidFill>
+                <a:srgbClr val="FFFFFF"/>
+              </a:solidFill>
+              <a:latin typeface="Avenir Next LT Pro"/>
+              <a:ea typeface="+mn-ea"/>
+              <a:cs typeface="+mn-cs"/>
+            </a:rPr>
+            <a:t> -c "</a:t>
+          </a:r>
+          <a:r>
+            <a:rPr lang="en-US" sz="3700" err="1">
+              <a:solidFill>
+                <a:srgbClr val="FFFFFF"/>
+              </a:solidFill>
+              <a:latin typeface="Avenir Next LT Pro"/>
+              <a:ea typeface="+mn-ea"/>
+              <a:cs typeface="+mn-cs"/>
+            </a:rPr>
+            <a:t>irm</a:t>
+          </a:r>
+          <a:r>
+            <a:rPr lang="en-US" sz="3700">
+              <a:solidFill>
+                <a:srgbClr val="FFFFFF"/>
+              </a:solidFill>
+              <a:latin typeface="Avenir Next LT Pro"/>
+              <a:ea typeface="+mn-ea"/>
+              <a:cs typeface="+mn-cs"/>
+            </a:rPr>
+            <a:t> https://astral.sh/uv/install.ps1 | </a:t>
+          </a:r>
+          <a:r>
+            <a:rPr lang="en-US" sz="3700" err="1">
+              <a:solidFill>
+                <a:srgbClr val="FFFFFF"/>
+              </a:solidFill>
+              <a:latin typeface="Avenir Next LT Pro"/>
+              <a:ea typeface="+mn-ea"/>
+              <a:cs typeface="+mn-cs"/>
+            </a:rPr>
+            <a:t>iex</a:t>
+          </a:r>
+          <a:r>
+            <a:rPr lang="en-US" sz="3700">
+              <a:solidFill>
+                <a:srgbClr val="FFFFFF"/>
+              </a:solidFill>
+              <a:latin typeface="Avenir Next LT Pro"/>
+              <a:ea typeface="+mn-ea"/>
+              <a:cs typeface="+mn-cs"/>
+            </a:rPr>
+            <a:t>"</a:t>
           </a:r>
         </a:p>
       </dgm:t>
@@ -4152,7 +4317,7 @@
         </a:bodyPr>
         <a:lstStyle/>
         <a:p>
-          <a:pPr marL="0" lvl="0" indent="0" algn="l" defTabSz="1644650">
+          <a:pPr marL="0" lvl="0" indent="0" algn="l" defTabSz="1644650" rtl="0">
             <a:lnSpc>
               <a:spcPct val="90000"/>
             </a:lnSpc>
@@ -4165,7 +4330,11 @@
             <a:buNone/>
           </a:pPr>
           <a:r>
-            <a:rPr lang="en-US" sz="3700" kern="1200"/>
+            <a:rPr lang="en-US" sz="3700" kern="1200">
+              <a:latin typeface="Avenir Next LT Pro"/>
+              <a:ea typeface="+mn-ea"/>
+              <a:cs typeface="+mn-cs"/>
+            </a:rPr>
             <a:t>Mac/Linux: curl -LsSf https://astral.sh/uv/install.sh | sh</a:t>
           </a:r>
         </a:p>
@@ -4243,8 +4412,125 @@
             <a:buNone/>
           </a:pPr>
           <a:r>
-            <a:rPr lang="en-US" sz="3700" kern="1200"/>
-            <a:t>Windows: powershell -ExecutionPolicy ByPass -c "irm https://astral.sh/uv/install.ps1 | iex"</a:t>
+            <a:rPr lang="en-US" sz="3700" kern="1200">
+              <a:solidFill>
+                <a:srgbClr val="FFFFFF"/>
+              </a:solidFill>
+              <a:latin typeface="Avenir Next LT Pro"/>
+              <a:ea typeface="+mn-ea"/>
+              <a:cs typeface="+mn-cs"/>
+            </a:rPr>
+            <a:t>Windows: </a:t>
+          </a:r>
+          <a:r>
+            <a:rPr lang="en-US" sz="3700" kern="1200" err="1">
+              <a:solidFill>
+                <a:srgbClr val="FFFFFF"/>
+              </a:solidFill>
+              <a:latin typeface="Avenir Next LT Pro"/>
+              <a:ea typeface="+mn-ea"/>
+              <a:cs typeface="+mn-cs"/>
+            </a:rPr>
+            <a:t>powershell</a:t>
+          </a:r>
+          <a:r>
+            <a:rPr lang="en-US" sz="3700" kern="1200">
+              <a:solidFill>
+                <a:srgbClr val="FFFFFF"/>
+              </a:solidFill>
+              <a:latin typeface="Avenir Next LT Pro"/>
+              <a:ea typeface="+mn-ea"/>
+              <a:cs typeface="+mn-cs"/>
+            </a:rPr>
+            <a:t> -</a:t>
+          </a:r>
+          <a:r>
+            <a:rPr lang="en-US" sz="3700" kern="1200" err="1">
+              <a:solidFill>
+                <a:srgbClr val="FFFFFF"/>
+              </a:solidFill>
+              <a:latin typeface="Avenir Next LT Pro"/>
+              <a:ea typeface="+mn-ea"/>
+              <a:cs typeface="+mn-cs"/>
+            </a:rPr>
+            <a:t>ExecutionPolicy</a:t>
+          </a:r>
+          <a:r>
+            <a:rPr lang="en-US" sz="3700" kern="1200">
+              <a:solidFill>
+                <a:srgbClr val="FFFFFF"/>
+              </a:solidFill>
+              <a:latin typeface="Avenir Next LT Pro"/>
+              <a:ea typeface="+mn-ea"/>
+              <a:cs typeface="+mn-cs"/>
+            </a:rPr>
+            <a:t> </a:t>
+          </a:r>
+          <a:r>
+            <a:rPr lang="en-US" sz="3700" kern="1200" err="1">
+              <a:solidFill>
+                <a:srgbClr val="FFFFFF"/>
+              </a:solidFill>
+              <a:latin typeface="Avenir Next LT Pro"/>
+              <a:ea typeface="+mn-ea"/>
+              <a:cs typeface="+mn-cs"/>
+            </a:rPr>
+            <a:t>ByPass</a:t>
+          </a:r>
+          <a:r>
+            <a:rPr lang="en-US" sz="3700" kern="1200">
+              <a:solidFill>
+                <a:srgbClr val="FFFFFF"/>
+              </a:solidFill>
+              <a:latin typeface="Avenir Next LT Pro"/>
+              <a:ea typeface="+mn-ea"/>
+              <a:cs typeface="+mn-cs"/>
+            </a:rPr>
+            <a:t> -c "</a:t>
+          </a:r>
+          <a:r>
+            <a:rPr lang="en-US" sz="3700" kern="1200" err="1">
+              <a:solidFill>
+                <a:srgbClr val="FFFFFF"/>
+              </a:solidFill>
+              <a:latin typeface="Avenir Next LT Pro"/>
+              <a:ea typeface="+mn-ea"/>
+              <a:cs typeface="+mn-cs"/>
+            </a:rPr>
+            <a:t>irm</a:t>
+          </a:r>
+          <a:r>
+            <a:rPr lang="en-US" sz="3700" kern="1200">
+              <a:solidFill>
+                <a:srgbClr val="FFFFFF"/>
+              </a:solidFill>
+              <a:latin typeface="Avenir Next LT Pro"/>
+              <a:ea typeface="+mn-ea"/>
+              <a:cs typeface="+mn-cs"/>
+            </a:rPr>
+            <a:t> https://astral.sh/uv/install.ps1 | </a:t>
+          </a:r>
+          <a:r>
+            <a:rPr lang="en-US" sz="3700" kern="1200" err="1">
+              <a:solidFill>
+                <a:srgbClr val="FFFFFF"/>
+              </a:solidFill>
+              <a:latin typeface="Avenir Next LT Pro"/>
+              <a:ea typeface="+mn-ea"/>
+              <a:cs typeface="+mn-cs"/>
+            </a:rPr>
+            <a:t>iex</a:t>
+          </a:r>
+          <a:r>
+            <a:rPr lang="en-US" sz="3700" kern="1200">
+              <a:solidFill>
+                <a:srgbClr val="FFFFFF"/>
+              </a:solidFill>
+              <a:latin typeface="Avenir Next LT Pro"/>
+              <a:ea typeface="+mn-ea"/>
+              <a:cs typeface="+mn-cs"/>
+            </a:rPr>
+            <a:t>"</a:t>
           </a:r>
         </a:p>
       </dsp:txBody>
@@ -4511,7 +4797,7 @@
         </a:bodyPr>
         <a:lstStyle/>
         <a:p>
-          <a:pPr marL="0" lvl="0" indent="0" algn="l" defTabSz="666750">
+          <a:pPr marL="0" lvl="0" indent="0" algn="l" defTabSz="711200">
             <a:lnSpc>
               <a:spcPct val="90000"/>
             </a:lnSpc>
@@ -4524,7 +4810,7 @@
             <a:buNone/>
           </a:pPr>
           <a:r>
-            <a:rPr lang="en-US" sz="1500" kern="1200"/>
+            <a:rPr lang="en-US" sz="1600" kern="1200"/>
             <a:t>Set up the project: uv init mcp-server-demo</a:t>
           </a:r>
         </a:p>
@@ -4780,7 +5066,7 @@
         </a:bodyPr>
         <a:lstStyle/>
         <a:p>
-          <a:pPr marL="0" lvl="0" indent="0" algn="l" defTabSz="666750">
+          <a:pPr marL="0" lvl="0" indent="0" algn="l" defTabSz="711200">
             <a:lnSpc>
               <a:spcPct val="90000"/>
             </a:lnSpc>
@@ -4793,7 +5079,7 @@
             <a:buNone/>
           </a:pPr>
           <a:r>
-            <a:rPr lang="en-US" sz="1500" kern="1200"/>
+            <a:rPr lang="en-US" sz="1600" kern="1200"/>
             <a:t>Enter the project: cd mcp-server-demo</a:t>
           </a:r>
         </a:p>
@@ -4995,7 +5281,7 @@
         </a:bodyPr>
         <a:lstStyle/>
         <a:p>
-          <a:pPr marL="0" lvl="0" indent="0" algn="l" defTabSz="666750">
+          <a:pPr marL="0" lvl="0" indent="0" algn="l" defTabSz="711200">
             <a:lnSpc>
               <a:spcPct val="90000"/>
             </a:lnSpc>
@@ -5008,7 +5294,7 @@
             <a:buNone/>
           </a:pPr>
           <a:r>
-            <a:rPr lang="en-US" sz="1500" kern="1200"/>
+            <a:rPr lang="en-US" sz="1600" kern="1200"/>
             <a:t>Install the server: uv add "mcp[cli]“</a:t>
           </a:r>
         </a:p>
@@ -9419,7 +9705,7 @@
           <a:bodyPr/>
           <a:lstStyle/>
           <a:p>
-            <a:endParaRPr lang="en-US" dirty="0"/>
+            <a:endParaRPr lang="en-US"/>
           </a:p>
         </p:txBody>
       </p:sp>
@@ -9503,7 +9789,7 @@
           <a:bodyPr/>
           <a:lstStyle/>
           <a:p>
-            <a:endParaRPr lang="en-US" dirty="0"/>
+            <a:endParaRPr lang="en-US"/>
           </a:p>
         </p:txBody>
       </p:sp>
@@ -9594,7 +9880,6 @@
               <a:rPr lang="en-US"/>
               <a:t>Click to edit Master title style</a:t>
             </a:r>
-            <a:endParaRPr lang="en-US" dirty="0"/>
           </a:p>
         </p:txBody>
       </p:sp>
@@ -9667,7 +9952,6 @@
               <a:rPr lang="en-US"/>
               <a:t>Click to edit Master subtitle style</a:t>
             </a:r>
-            <a:endParaRPr lang="en-US" dirty="0"/>
           </a:p>
         </p:txBody>
       </p:sp>
@@ -9708,7 +9992,7 @@
               <a:pPr/>
               <a:t>9/23/2025</a:t>
             </a:fld>
-            <a:endParaRPr lang="en-US" dirty="0"/>
+            <a:endParaRPr lang="en-US"/>
           </a:p>
         </p:txBody>
       </p:sp>
@@ -10261,7 +10545,6 @@
               <a:rPr lang="en-US"/>
               <a:t>Click to edit Master title style</a:t>
             </a:r>
-            <a:endParaRPr lang="en-US" dirty="0"/>
           </a:p>
         </p:txBody>
       </p:sp>
@@ -10319,7 +10602,6 @@
               <a:rPr lang="en-US"/>
               <a:t>Fifth level</a:t>
             </a:r>
-            <a:endParaRPr lang="en-US" dirty="0"/>
           </a:p>
         </p:txBody>
       </p:sp>
@@ -10348,7 +10630,7 @@
               <a:rPr lang="en-US" smtClean="0"/>
               <a:t>9/23/2025</a:t>
             </a:fld>
-            <a:endParaRPr lang="en-US" dirty="0"/>
+            <a:endParaRPr lang="en-US"/>
           </a:p>
         </p:txBody>
       </p:sp>
@@ -10470,7 +10752,6 @@
               <a:rPr lang="en-US"/>
               <a:t>Click to edit Master title style</a:t>
             </a:r>
-            <a:endParaRPr lang="en-US" dirty="0"/>
           </a:p>
         </p:txBody>
       </p:sp>
@@ -10740,7 +11021,6 @@
               <a:rPr lang="en-US"/>
               <a:t>Click to edit Master title style</a:t>
             </a:r>
-            <a:endParaRPr lang="en-US" dirty="0"/>
           </a:p>
         </p:txBody>
       </p:sp>
@@ -10803,7 +11083,6 @@
               <a:rPr lang="en-US"/>
               <a:t>Fifth level</a:t>
             </a:r>
-            <a:endParaRPr lang="en-US" dirty="0"/>
           </a:p>
         </p:txBody>
       </p:sp>
@@ -10866,7 +11145,6 @@
               <a:rPr lang="en-US"/>
               <a:t>Fifth level</a:t>
             </a:r>
-            <a:endParaRPr lang="en-US" dirty="0"/>
           </a:p>
         </p:txBody>
       </p:sp>
@@ -11013,7 +11291,6 @@
               <a:rPr lang="en-US"/>
               <a:t>Click to edit Master title style</a:t>
             </a:r>
-            <a:endParaRPr lang="en-US" dirty="0"/>
           </a:p>
         </p:txBody>
       </p:sp>
@@ -11147,7 +11424,6 @@
               <a:rPr lang="en-US"/>
               <a:t>Fifth level</a:t>
             </a:r>
-            <a:endParaRPr lang="en-US" dirty="0"/>
           </a:p>
         </p:txBody>
       </p:sp>
@@ -11281,7 +11557,6 @@
               <a:rPr lang="en-US"/>
               <a:t>Fifth level</a:t>
             </a:r>
-            <a:endParaRPr lang="en-US" dirty="0"/>
           </a:p>
         </p:txBody>
       </p:sp>
@@ -11428,7 +11703,6 @@
               <a:rPr lang="en-US"/>
               <a:t>Click to edit Master title style</a:t>
             </a:r>
-            <a:endParaRPr lang="en-US" dirty="0"/>
           </a:p>
         </p:txBody>
       </p:sp>
@@ -12324,7 +12598,7 @@
           <a:lstStyle/>
           <a:p>
             <a:pPr algn="ctr"/>
-            <a:endParaRPr lang="en-US" dirty="0">
+            <a:endParaRPr lang="en-US">
               <a:solidFill>
                 <a:schemeClr val="tx1">
                   <a:lumMod val="65000"/>
@@ -12368,7 +12642,7 @@
           <a:lstStyle/>
           <a:p>
             <a:r>
-              <a:rPr lang="en-US" dirty="0"/>
+              <a:rPr lang="en-US"/>
               <a:t>Click to edit Master title style</a:t>
             </a:r>
           </a:p>
@@ -12407,35 +12681,35 @@
           <a:p>
             <a:pPr lvl="0"/>
             <a:r>
-              <a:rPr lang="en-US" dirty="0"/>
+              <a:rPr lang="en-US"/>
               <a:t>Click to edit Master text styles</a:t>
             </a:r>
           </a:p>
           <a:p>
             <a:pPr lvl="1"/>
             <a:r>
-              <a:rPr lang="en-US" dirty="0"/>
+              <a:rPr lang="en-US"/>
               <a:t>Second level</a:t>
             </a:r>
           </a:p>
           <a:p>
             <a:pPr lvl="2"/>
             <a:r>
-              <a:rPr lang="en-US" dirty="0"/>
+              <a:rPr lang="en-US"/>
               <a:t>Third level</a:t>
             </a:r>
           </a:p>
           <a:p>
             <a:pPr lvl="3"/>
             <a:r>
-              <a:rPr lang="en-US" dirty="0"/>
+              <a:rPr lang="en-US"/>
               <a:t>Fourth level</a:t>
             </a:r>
           </a:p>
           <a:p>
             <a:pPr lvl="4"/>
             <a:r>
-              <a:rPr lang="en-US" dirty="0"/>
+              <a:rPr lang="en-US"/>
               <a:t>Fifth level</a:t>
             </a:r>
           </a:p>
@@ -12486,7 +12760,7 @@
               <a:pPr/>
               <a:t>9/23/2025</a:t>
             </a:fld>
-            <a:endParaRPr lang="en-US" dirty="0"/>
+            <a:endParaRPr lang="en-US"/>
           </a:p>
         </p:txBody>
       </p:sp>
@@ -12530,7 +12804,7 @@
             </a:lvl1pPr>
           </a:lstStyle>
           <a:p>
-            <a:endParaRPr lang="en-US" dirty="0">
+            <a:endParaRPr lang="en-US">
               <a:solidFill>
                 <a:schemeClr val="tx1">
                   <a:alpha val="60000"/>
@@ -12585,7 +12859,7 @@
               <a:pPr/>
               <a:t>‹#›</a:t>
             </a:fld>
-            <a:endParaRPr lang="en-US" dirty="0"/>
+            <a:endParaRPr lang="en-US"/>
           </a:p>
         </p:txBody>
       </p:sp>
@@ -13027,7 +13301,7 @@
           <a:lstStyle/>
           <a:p>
             <a:pPr algn="ctr"/>
-            <a:endParaRPr lang="en-US" dirty="0">
+            <a:endParaRPr lang="en-US">
               <a:solidFill>
                 <a:schemeClr val="tx1">
                   <a:lumMod val="65000"/>
@@ -13098,7 +13372,7 @@
           <a:lstStyle/>
           <a:p>
             <a:pPr algn="ctr"/>
-            <a:endParaRPr lang="en-US" dirty="0">
+            <a:endParaRPr lang="en-US">
               <a:solidFill>
                 <a:schemeClr val="tx1">
                   <a:lumMod val="65000"/>
@@ -13172,7 +13446,7 @@
           <a:lstStyle/>
           <a:p>
             <a:r>
-              <a:rPr lang="en-US" sz="5200" dirty="0">
+              <a:rPr lang="en-US" sz="5200">
                 <a:solidFill>
                   <a:srgbClr val="FFFFFF"/>
                 </a:solidFill>
@@ -13321,7 +13595,7 @@
           <a:lstStyle/>
           <a:p>
             <a:pPr algn="ctr"/>
-            <a:endParaRPr lang="en-US" dirty="0">
+            <a:endParaRPr lang="en-US">
               <a:solidFill>
                 <a:schemeClr val="tx1">
                   <a:lumMod val="65000"/>
@@ -13435,7 +13709,7 @@
           <a:lstStyle/>
           <a:p>
             <a:pPr algn="ctr"/>
-            <a:endParaRPr lang="en-US" dirty="0">
+            <a:endParaRPr lang="en-US">
               <a:solidFill>
                 <a:schemeClr val="tx1">
                   <a:lumMod val="65000"/>
@@ -13506,7 +13780,7 @@
           <a:lstStyle/>
           <a:p>
             <a:pPr algn="ctr"/>
-            <a:endParaRPr lang="en-US" dirty="0">
+            <a:endParaRPr lang="en-US">
               <a:solidFill>
                 <a:schemeClr val="tx1">
                   <a:lumMod val="65000"/>
@@ -13717,7 +13991,7 @@
               <a:buNone/>
             </a:pPr>
             <a:r>
-              <a:rPr lang="en-US" sz="2200" dirty="0">
+              <a:rPr lang="en-US" sz="2200">
                 <a:solidFill>
                   <a:srgbClr val="FFFFFF"/>
                 </a:solidFill>
@@ -13919,7 +14193,7 @@
           <a:lstStyle/>
           <a:p>
             <a:pPr algn="ctr"/>
-            <a:endParaRPr lang="en-US" dirty="0">
+            <a:endParaRPr lang="en-US">
               <a:solidFill>
                 <a:schemeClr val="tx1">
                   <a:lumMod val="65000"/>
@@ -14033,7 +14307,7 @@
           <a:lstStyle/>
           <a:p>
             <a:pPr algn="ctr"/>
-            <a:endParaRPr lang="en-US" dirty="0">
+            <a:endParaRPr lang="en-US">
               <a:solidFill>
                 <a:schemeClr val="tx1">
                   <a:lumMod val="65000"/>
@@ -14107,7 +14381,7 @@
           <a:lstStyle/>
           <a:p>
             <a:pPr algn="ctr"/>
-            <a:endParaRPr lang="en-US" dirty="0">
+            <a:endParaRPr lang="en-US">
               <a:solidFill>
                 <a:schemeClr val="tx1">
                   <a:lumMod val="65000"/>
@@ -14148,7 +14422,7 @@
           <a:lstStyle/>
           <a:p>
             <a:r>
-              <a:rPr lang="en-US" dirty="0"/>
+              <a:rPr lang="en-US"/>
               <a:t>MCP Structure</a:t>
             </a:r>
           </a:p>
@@ -15051,7 +15325,7 @@
           <a:lstStyle/>
           <a:p>
             <a:r>
-              <a:rPr lang="en-US" sz="4000" dirty="0"/>
+              <a:rPr lang="en-US" sz="4000"/>
               <a:t>Installation of MCP</a:t>
             </a:r>
           </a:p>
@@ -15182,7 +15456,7 @@
           <a:lstStyle/>
           <a:p>
             <a:pPr algn="ctr"/>
-            <a:endParaRPr lang="en-US" dirty="0">
+            <a:endParaRPr lang="en-US">
               <a:solidFill>
                 <a:schemeClr val="tx1">
                   <a:lumMod val="65000"/>
@@ -15509,7 +15783,7 @@
           <a:lstStyle/>
           <a:p>
             <a:pPr algn="ctr"/>
-            <a:endParaRPr lang="en-US" dirty="0">
+            <a:endParaRPr lang="en-US">
               <a:solidFill>
                 <a:schemeClr val="tx1">
                   <a:lumMod val="65000"/>
@@ -15623,7 +15897,7 @@
           <a:lstStyle/>
           <a:p>
             <a:pPr algn="ctr"/>
-            <a:endParaRPr lang="en-US" dirty="0">
+            <a:endParaRPr lang="en-US">
               <a:solidFill>
                 <a:schemeClr val="tx1">
                   <a:lumMod val="65000"/>
@@ -15694,7 +15968,7 @@
           <a:lstStyle/>
           <a:p>
             <a:pPr algn="ctr"/>
-            <a:endParaRPr lang="en-US" dirty="0">
+            <a:endParaRPr lang="en-US">
               <a:solidFill>
                 <a:schemeClr val="tx1">
                   <a:lumMod val="65000"/>
@@ -15813,7 +16087,7 @@
           <a:lstStyle/>
           <a:p>
             <a:pPr algn="ctr"/>
-            <a:endParaRPr lang="en-US" dirty="0"/>
+            <a:endParaRPr lang="en-US"/>
           </a:p>
         </p:txBody>
       </p:sp>
